--- a/double_hash_and_shell_sort.pptx
+++ b/double_hash_and_shell_sort.pptx
@@ -8,6 +8,7 @@
   <p:sldIdLst>
     <p:sldId id="256" r:id="rId3"/>
     <p:sldId id="257" r:id="rId4"/>
+    <p:sldId id="258" r:id="rId5"/>
   </p:sldIdLst>
   <p:sldSz cx="12192000" cy="6858000"/>
   <p:notesSz cx="6858000" cy="9144000"/>
@@ -106,6 +107,11 @@
       </a:defRPr>
     </a:lvl9pPr>
   </p:defaultTextStyle>
+  <p:extLst>
+    <p:ext uri="{EFAFB233-063F-42B5-8137-9DF3F51BA10A}">
+      <p15:sldGuideLst xmlns:p15="http://schemas.microsoft.com/office/powerpoint/2012/main"/>
+    </p:ext>
+  </p:extLst>
 </p:presentation>
 </file>
 
@@ -1014,6 +1020,13 @@
         </dgm:presLayoutVars>
       </dgm:prSet>
       <dgm:spPr/>
+      <dgm:t>
+        <a:bodyPr/>
+        <a:lstStyle/>
+        <a:p>
+          <a:endParaRPr lang="en-US"/>
+        </a:p>
+      </dgm:t>
     </dgm:pt>
     <dgm:pt modelId="{A1CA2F44-6C9B-47D8-AF5D-28AF49AD9589}" type="pres">
       <dgm:prSet presAssocID="{9C38F951-CEA1-46D7-891C-21A68A0540FA}" presName="parTxOnlySpace" presStyleCnt="0"/>
@@ -2874,7 +2887,7 @@
           <a:p>
             <a:fld id="{1DF7BC8C-8114-4E4D-AC42-AF2B48A295E9}" type="datetimeFigureOut">
               <a:rPr lang="en-US" smtClean="0"/>
-              <a:t>19|7|1</a:t>
+              <a:t>19|7|3</a:t>
             </a:fld>
             <a:endParaRPr lang="en-US"/>
           </a:p>
@@ -3066,7 +3079,7 @@
           <a:p>
             <a:fld id="{1DF7BC8C-8114-4E4D-AC42-AF2B48A295E9}" type="datetimeFigureOut">
               <a:rPr lang="en-US" smtClean="0"/>
-              <a:t>19|7|1</a:t>
+              <a:t>19|7|3</a:t>
             </a:fld>
             <a:endParaRPr lang="en-US"/>
           </a:p>
@@ -5075,7 +5088,7 @@
           <a:p>
             <a:fld id="{1DF7BC8C-8114-4E4D-AC42-AF2B48A295E9}" type="datetimeFigureOut">
               <a:rPr lang="en-US" smtClean="0"/>
-              <a:t>19|7|1</a:t>
+              <a:t>19|7|3</a:t>
             </a:fld>
             <a:endParaRPr lang="en-US"/>
           </a:p>
@@ -5913,7 +5926,7 @@
           <a:p>
             <a:fld id="{1DF7BC8C-8114-4E4D-AC42-AF2B48A295E9}" type="datetimeFigureOut">
               <a:rPr lang="en-US" smtClean="0"/>
-              <a:t>19|7|1</a:t>
+              <a:t>19|7|3</a:t>
             </a:fld>
             <a:endParaRPr lang="en-US"/>
           </a:p>
@@ -6213,7 +6226,7 @@
           <a:p>
             <a:fld id="{1DF7BC8C-8114-4E4D-AC42-AF2B48A295E9}" type="datetimeFigureOut">
               <a:rPr lang="en-US" smtClean="0"/>
-              <a:t>19|7|1</a:t>
+              <a:t>19|7|3</a:t>
             </a:fld>
             <a:endParaRPr lang="en-US"/>
           </a:p>
@@ -6652,7 +6665,7 @@
           <a:p>
             <a:fld id="{1DF7BC8C-8114-4E4D-AC42-AF2B48A295E9}" type="datetimeFigureOut">
               <a:rPr lang="en-US" smtClean="0"/>
-              <a:t>19|7|1</a:t>
+              <a:t>19|7|3</a:t>
             </a:fld>
             <a:endParaRPr lang="en-US"/>
           </a:p>
@@ -6782,7 +6795,7 @@
           <a:p>
             <a:fld id="{1DF7BC8C-8114-4E4D-AC42-AF2B48A295E9}" type="datetimeFigureOut">
               <a:rPr lang="en-US" smtClean="0"/>
-              <a:t>19|7|1</a:t>
+              <a:t>19|7|3</a:t>
             </a:fld>
             <a:endParaRPr lang="en-US"/>
           </a:p>
@@ -6889,7 +6902,7 @@
           <a:p>
             <a:fld id="{1DF7BC8C-8114-4E4D-AC42-AF2B48A295E9}" type="datetimeFigureOut">
               <a:rPr lang="en-US" smtClean="0"/>
-              <a:t>19|7|1</a:t>
+              <a:t>19|7|3</a:t>
             </a:fld>
             <a:endParaRPr lang="en-US"/>
           </a:p>
@@ -7178,7 +7191,7 @@
           <a:p>
             <a:fld id="{1DF7BC8C-8114-4E4D-AC42-AF2B48A295E9}" type="datetimeFigureOut">
               <a:rPr lang="en-US" smtClean="0"/>
-              <a:t>19|7|1</a:t>
+              <a:t>19|7|3</a:t>
             </a:fld>
             <a:endParaRPr lang="en-US"/>
           </a:p>
@@ -7447,7 +7460,7 @@
           <a:p>
             <a:fld id="{1DF7BC8C-8114-4E4D-AC42-AF2B48A295E9}" type="datetimeFigureOut">
               <a:rPr lang="en-US" smtClean="0"/>
-              <a:t>19|7|1</a:t>
+              <a:t>19|7|3</a:t>
             </a:fld>
             <a:endParaRPr lang="en-US"/>
           </a:p>
@@ -7782,7 +7795,7 @@
           <a:p>
             <a:fld id="{1DF7BC8C-8114-4E4D-AC42-AF2B48A295E9}" type="datetimeFigureOut">
               <a:rPr lang="en-US" smtClean="0"/>
-              <a:t>19|7|1</a:t>
+              <a:t>19|7|3</a:t>
             </a:fld>
             <a:endParaRPr lang="en-US"/>
           </a:p>
@@ -9185,7 +9198,15 @@
           <a:p>
             <a:r>
               <a:rPr lang="en-US" dirty="0" smtClean="0"/>
-              <a:t>Double Hashing &amp; Shell Short</a:t>
+              <a:t>Double Hashing &amp; </a:t>
+            </a:r>
+            <a:r>
+              <a:rPr lang="en-US" smtClean="0"/>
+              <a:t>Shell </a:t>
+            </a:r>
+            <a:r>
+              <a:rPr lang="en-US" smtClean="0"/>
+              <a:t>Sort</a:t>
             </a:r>
             <a:endParaRPr lang="en-US" dirty="0"/>
           </a:p>
@@ -9431,17 +9452,6 @@
                 </a:rPr>
                 <a:t>Collision</a:t>
               </a:r>
-              <a:endParaRPr kumimoji="0" lang="en-US" sz="3600" b="0" i="0" u="none" strike="noStrike" cap="none" normalizeH="0" baseline="0" dirty="0" smtClean="0">
-                <a:ln>
-                  <a:noFill/>
-                </a:ln>
-                <a:solidFill>
-                  <a:schemeClr val="bg1"/>
-                </a:solidFill>
-                <a:effectLst/>
-                <a:latin typeface="Futura LT Book" pitchFamily="2" charset="0"/>
-                <a:ea typeface="굴림" pitchFamily="34" charset="-127"/>
-              </a:endParaRPr>
             </a:p>
           </p:txBody>
         </p:sp>
@@ -9472,6 +9482,74 @@
     <p:extLst>
       <p:ext uri="{BB962C8B-B14F-4D97-AF65-F5344CB8AC3E}">
         <p14:creationId xmlns:p14="http://schemas.microsoft.com/office/powerpoint/2010/main" val="2400559856"/>
+      </p:ext>
+    </p:extLst>
+  </p:cSld>
+  <p:clrMapOvr>
+    <a:masterClrMapping/>
+  </p:clrMapOvr>
+</p:sld>
+</file>
+
+<file path=ppt/slides/slide3.xml><?xml version="1.0" encoding="utf-8"?>
+<p:sld xmlns:a="http://schemas.openxmlformats.org/drawingml/2006/main" xmlns:r="http://schemas.openxmlformats.org/officeDocument/2006/relationships" xmlns:p="http://schemas.openxmlformats.org/presentationml/2006/main">
+  <p:cSld>
+    <p:spTree>
+      <p:nvGrpSpPr>
+        <p:cNvPr id="1" name=""/>
+        <p:cNvGrpSpPr/>
+        <p:nvPr/>
+      </p:nvGrpSpPr>
+      <p:grpSpPr>
+        <a:xfrm>
+          <a:off x="0" y="0"/>
+          <a:ext cx="0" cy="0"/>
+          <a:chOff x="0" y="0"/>
+          <a:chExt cx="0" cy="0"/>
+        </a:xfrm>
+      </p:grpSpPr>
+      <p:sp>
+        <p:nvSpPr>
+          <p:cNvPr id="2" name="Title 1"/>
+          <p:cNvSpPr>
+            <a:spLocks noGrp="1"/>
+          </p:cNvSpPr>
+          <p:nvPr>
+            <p:ph type="title"/>
+          </p:nvPr>
+        </p:nvSpPr>
+        <p:spPr/>
+        <p:txBody>
+          <a:bodyPr/>
+          <a:lstStyle/>
+          <a:p>
+            <a:endParaRPr lang="en-US" dirty="0"/>
+          </a:p>
+        </p:txBody>
+      </p:sp>
+      <p:sp>
+        <p:nvSpPr>
+          <p:cNvPr id="3" name="Content Placeholder 2"/>
+          <p:cNvSpPr>
+            <a:spLocks noGrp="1"/>
+          </p:cNvSpPr>
+          <p:nvPr>
+            <p:ph idx="1"/>
+          </p:nvPr>
+        </p:nvSpPr>
+        <p:spPr/>
+        <p:txBody>
+          <a:bodyPr/>
+          <a:lstStyle/>
+          <a:p>
+            <a:endParaRPr lang="en-US"/>
+          </a:p>
+        </p:txBody>
+      </p:sp>
+    </p:spTree>
+    <p:extLst>
+      <p:ext uri="{BB962C8B-B14F-4D97-AF65-F5344CB8AC3E}">
+        <p14:creationId xmlns:p14="http://schemas.microsoft.com/office/powerpoint/2010/main" val="2104727954"/>
       </p:ext>
     </p:extLst>
   </p:cSld>

--- a/double_hash_and_shell_sort.pptx
+++ b/double_hash_and_shell_sort.pptx
@@ -9,6 +9,7 @@
     <p:sldId id="256" r:id="rId3"/>
     <p:sldId id="257" r:id="rId4"/>
     <p:sldId id="258" r:id="rId5"/>
+    <p:sldId id="259" r:id="rId6"/>
   </p:sldIdLst>
   <p:sldSz cx="12192000" cy="6858000"/>
   <p:notesSz cx="6858000" cy="9144000"/>
@@ -9198,14 +9199,10 @@
           <a:p>
             <a:r>
               <a:rPr lang="en-US" dirty="0" smtClean="0"/>
-              <a:t>Double Hashing &amp; </a:t>
-            </a:r>
-            <a:r>
-              <a:rPr lang="en-US" smtClean="0"/>
-              <a:t>Shell </a:t>
-            </a:r>
-            <a:r>
-              <a:rPr lang="en-US" smtClean="0"/>
+              <a:t>Double Hashing &amp; Shell </a:t>
+            </a:r>
+            <a:r>
+              <a:rPr lang="en-US" dirty="0" smtClean="0"/>
               <a:t>Sort</a:t>
             </a:r>
             <a:endParaRPr lang="en-US" dirty="0"/>
@@ -9523,7 +9520,11 @@
           <a:bodyPr/>
           <a:lstStyle/>
           <a:p>
-            <a:endParaRPr lang="en-US" dirty="0"/>
+            <a:r>
+              <a:rPr lang="en-US" sz="4400" dirty="0" smtClean="0"/>
+              <a:t>Shell Sort - Introduction</a:t>
+            </a:r>
+            <a:endParaRPr lang="en-US" sz="4400" dirty="0"/>
           </a:p>
         </p:txBody>
       </p:sp>
@@ -9537,12 +9538,208 @@
             <p:ph idx="1"/>
           </p:nvPr>
         </p:nvSpPr>
-        <p:spPr/>
+        <p:spPr>
+          <a:xfrm>
+            <a:off x="624418" y="1700213"/>
+            <a:ext cx="10943167" cy="2704362"/>
+          </a:xfrm>
+        </p:spPr>
         <p:txBody>
           <a:bodyPr/>
           <a:lstStyle/>
           <a:p>
-            <a:endParaRPr lang="en-US"/>
+            <a:r>
+              <a:rPr lang="en-US" sz="2800" dirty="0"/>
+              <a:t>a highly efficient sorting </a:t>
+            </a:r>
+            <a:r>
+              <a:rPr lang="en-US" sz="2800" dirty="0" smtClean="0"/>
+              <a:t>algorithm, similar to insertion sort</a:t>
+            </a:r>
+          </a:p>
+          <a:p>
+            <a:r>
+              <a:rPr lang="en-US" sz="2800" dirty="0" smtClean="0"/>
+              <a:t>avoids large shifts</a:t>
+            </a:r>
+          </a:p>
+          <a:p>
+            <a:r>
+              <a:rPr lang="en-US" sz="2800" dirty="0"/>
+              <a:t>s</a:t>
+            </a:r>
+            <a:r>
+              <a:rPr lang="en-US" sz="2800" dirty="0" smtClean="0"/>
+              <a:t>orts less widely spaced elements in interval.</a:t>
+            </a:r>
+          </a:p>
+          <a:p>
+            <a:pPr marL="0" indent="0">
+              <a:buNone/>
+            </a:pPr>
+            <a:endParaRPr lang="en-US" sz="2800" dirty="0"/>
+          </a:p>
+          <a:p>
+            <a:pPr marL="0" indent="0">
+              <a:buNone/>
+            </a:pPr>
+            <a:r>
+              <a:rPr lang="en-US" sz="2800" b="1" dirty="0" smtClean="0"/>
+              <a:t>Interval</a:t>
+            </a:r>
+          </a:p>
+          <a:p>
+            <a:pPr marL="0" indent="0">
+              <a:buNone/>
+            </a:pPr>
+            <a:endParaRPr lang="en-US" sz="2800" b="1" dirty="0" smtClean="0"/>
+          </a:p>
+          <a:p>
+            <a:pPr marL="0" indent="0">
+              <a:buNone/>
+            </a:pPr>
+            <a:endParaRPr lang="en-US" sz="2800" b="1" dirty="0"/>
+          </a:p>
+          <a:p>
+            <a:pPr marL="0" indent="0">
+              <a:buNone/>
+            </a:pPr>
+            <a:endParaRPr lang="en-US" sz="2800" dirty="0" smtClean="0"/>
+          </a:p>
+        </p:txBody>
+      </p:sp>
+      <p:sp>
+        <p:nvSpPr>
+          <p:cNvPr id="4" name="TextBox 3"/>
+          <p:cNvSpPr txBox="1"/>
+          <p:nvPr/>
+        </p:nvSpPr>
+        <p:spPr>
+          <a:xfrm>
+            <a:off x="721217" y="4610637"/>
+            <a:ext cx="184731" cy="369332"/>
+          </a:xfrm>
+          <a:prstGeom prst="rect">
+            <a:avLst/>
+          </a:prstGeom>
+          <a:noFill/>
+        </p:spPr>
+        <p:txBody>
+          <a:bodyPr wrap="none" rtlCol="0">
+            <a:spAutoFit/>
+          </a:bodyPr>
+          <a:lstStyle/>
+          <a:p>
+            <a:endParaRPr lang="en-US" dirty="0"/>
+          </a:p>
+        </p:txBody>
+      </p:sp>
+      <p:sp>
+        <p:nvSpPr>
+          <p:cNvPr id="5" name="Rectangle 4"/>
+          <p:cNvSpPr/>
+          <p:nvPr/>
+        </p:nvSpPr>
+        <p:spPr bwMode="auto">
+          <a:xfrm>
+            <a:off x="721217" y="4417454"/>
+            <a:ext cx="9916732" cy="1867436"/>
+          </a:xfrm>
+          <a:prstGeom prst="rect">
+            <a:avLst/>
+          </a:prstGeom>
+          <a:solidFill>
+            <a:srgbClr val="A1E4ED"/>
+          </a:solidFill>
+          <a:ln w="9525" cap="flat" cmpd="sng" algn="ctr">
+            <a:solidFill>
+              <a:schemeClr val="tx1"/>
+            </a:solidFill>
+            <a:prstDash val="solid"/>
+            <a:round/>
+            <a:headEnd type="none" w="med" len="med"/>
+            <a:tailEnd type="none" w="med" len="med"/>
+          </a:ln>
+          <a:effectLst/>
+          <a:extLst/>
+        </p:spPr>
+        <p:txBody>
+          <a:bodyPr vert="horz" wrap="square" lIns="91440" tIns="45720" rIns="91440" bIns="45720" numCol="1" rtlCol="0" anchor="t" anchorCtr="0" compatLnSpc="1">
+            <a:prstTxWarp prst="textNoShape">
+              <a:avLst/>
+            </a:prstTxWarp>
+          </a:bodyPr>
+          <a:lstStyle/>
+          <a:p>
+            <a:pPr marL="0" marR="0" indent="0" algn="l" defTabSz="914400" rtl="0" eaLnBrk="1" fontAlgn="base" latinLnBrk="0" hangingPunct="1">
+              <a:lnSpc>
+                <a:spcPct val="100000"/>
+              </a:lnSpc>
+              <a:spcBef>
+                <a:spcPct val="0"/>
+              </a:spcBef>
+              <a:spcAft>
+                <a:spcPct val="0"/>
+              </a:spcAft>
+              <a:buClrTx/>
+              <a:buSzTx/>
+              <a:buFontTx/>
+              <a:buNone/>
+              <a:tabLst/>
+            </a:pPr>
+            <a:r>
+              <a:rPr kumimoji="0" lang="en-US" sz="3600" b="0" i="0" u="none" strike="noStrike" cap="none" normalizeH="0" baseline="0" dirty="0" smtClean="0">
+                <a:ln>
+                  <a:noFill/>
+                </a:ln>
+                <a:solidFill>
+                  <a:schemeClr val="tx2"/>
+                </a:solidFill>
+                <a:effectLst/>
+                <a:latin typeface="Cambria" panose="02040503050406030204" pitchFamily="18" charset="0"/>
+                <a:ea typeface="Cambria" panose="02040503050406030204" pitchFamily="18" charset="0"/>
+              </a:rPr>
+              <a:t>h = h * 3 + 1</a:t>
+            </a:r>
+          </a:p>
+          <a:p>
+            <a:pPr marL="0" marR="0" indent="0" algn="l" defTabSz="914400" rtl="0" eaLnBrk="1" fontAlgn="base" latinLnBrk="0" hangingPunct="1">
+              <a:lnSpc>
+                <a:spcPct val="100000"/>
+              </a:lnSpc>
+              <a:spcBef>
+                <a:spcPct val="0"/>
+              </a:spcBef>
+              <a:spcAft>
+                <a:spcPct val="0"/>
+              </a:spcAft>
+              <a:buClrTx/>
+              <a:buSzTx/>
+              <a:buFontTx/>
+              <a:buNone/>
+              <a:tabLst/>
+            </a:pPr>
+            <a:r>
+              <a:rPr lang="en-US" sz="3600" dirty="0" smtClean="0">
+                <a:solidFill>
+                  <a:schemeClr val="tx2"/>
+                </a:solidFill>
+                <a:latin typeface="Cambria" panose="02040503050406030204" pitchFamily="18" charset="0"/>
+                <a:ea typeface="Cambria" panose="02040503050406030204" pitchFamily="18" charset="0"/>
+              </a:rPr>
+              <a:t>where, h is the interval with initial value 1.</a:t>
+            </a:r>
+            <a:endParaRPr kumimoji="0" lang="en-US" sz="3600" b="0" i="0" u="none" strike="noStrike" cap="none" normalizeH="0" baseline="0" dirty="0" smtClean="0">
+              <a:ln>
+                <a:noFill/>
+              </a:ln>
+              <a:solidFill>
+                <a:schemeClr val="tx2"/>
+              </a:solidFill>
+              <a:effectLst/>
+              <a:latin typeface="Cambria" panose="02040503050406030204" pitchFamily="18" charset="0"/>
+              <a:ea typeface="Cambria" panose="02040503050406030204" pitchFamily="18" charset="0"/>
+            </a:endParaRPr>
           </a:p>
         </p:txBody>
       </p:sp>
@@ -9550,6 +9747,71 @@
     <p:extLst>
       <p:ext uri="{BB962C8B-B14F-4D97-AF65-F5344CB8AC3E}">
         <p14:creationId xmlns:p14="http://schemas.microsoft.com/office/powerpoint/2010/main" val="2104727954"/>
+      </p:ext>
+    </p:extLst>
+  </p:cSld>
+  <p:clrMapOvr>
+    <a:masterClrMapping/>
+  </p:clrMapOvr>
+</p:sld>
+</file>
+
+<file path=ppt/slides/slide4.xml><?xml version="1.0" encoding="utf-8"?>
+<p:sld xmlns:a="http://schemas.openxmlformats.org/drawingml/2006/main" xmlns:r="http://schemas.openxmlformats.org/officeDocument/2006/relationships" xmlns:p="http://schemas.openxmlformats.org/presentationml/2006/main">
+  <p:cSld>
+    <p:spTree>
+      <p:nvGrpSpPr>
+        <p:cNvPr id="1" name=""/>
+        <p:cNvGrpSpPr/>
+        <p:nvPr/>
+      </p:nvGrpSpPr>
+      <p:grpSpPr>
+        <a:xfrm>
+          <a:off x="0" y="0"/>
+          <a:ext cx="0" cy="0"/>
+          <a:chOff x="0" y="0"/>
+          <a:chExt cx="0" cy="0"/>
+        </a:xfrm>
+      </p:grpSpPr>
+      <p:sp>
+        <p:nvSpPr>
+          <p:cNvPr id="4" name="TextBox 3"/>
+          <p:cNvSpPr txBox="1"/>
+          <p:nvPr/>
+        </p:nvSpPr>
+        <p:spPr>
+          <a:xfrm>
+            <a:off x="1043189" y="2382591"/>
+            <a:ext cx="9813701" cy="1200329"/>
+          </a:xfrm>
+          <a:prstGeom prst="rect">
+            <a:avLst/>
+          </a:prstGeom>
+          <a:noFill/>
+        </p:spPr>
+        <p:txBody>
+          <a:bodyPr wrap="square" rtlCol="0">
+            <a:spAutoFit/>
+          </a:bodyPr>
+          <a:lstStyle/>
+          <a:p>
+            <a:pPr algn="ctr"/>
+            <a:r>
+              <a:rPr lang="en-US" sz="7200" dirty="0" smtClean="0">
+                <a:latin typeface="Alaqua" pitchFamily="50" charset="0"/>
+              </a:rPr>
+              <a:t>THANK YOU</a:t>
+            </a:r>
+            <a:endParaRPr lang="en-US" sz="7200" dirty="0">
+              <a:latin typeface="Alaqua" pitchFamily="50" charset="0"/>
+            </a:endParaRPr>
+          </a:p>
+        </p:txBody>
+      </p:sp>
+    </p:spTree>
+    <p:extLst>
+      <p:ext uri="{BB962C8B-B14F-4D97-AF65-F5344CB8AC3E}">
+        <p14:creationId xmlns:p14="http://schemas.microsoft.com/office/powerpoint/2010/main" val="4272523214"/>
       </p:ext>
     </p:extLst>
   </p:cSld>

--- a/double_hash_and_shell_sort.pptx
+++ b/double_hash_and_shell_sort.pptx
@@ -9,7 +9,9 @@
     <p:sldId id="256" r:id="rId3"/>
     <p:sldId id="257" r:id="rId4"/>
     <p:sldId id="258" r:id="rId5"/>
-    <p:sldId id="259" r:id="rId6"/>
+    <p:sldId id="260" r:id="rId6"/>
+    <p:sldId id="261" r:id="rId7"/>
+    <p:sldId id="259" r:id="rId8"/>
   </p:sldIdLst>
   <p:sldSz cx="12192000" cy="6858000"/>
   <p:notesSz cx="6858000" cy="9144000"/>
@@ -2888,7 +2890,7 @@
           <a:p>
             <a:fld id="{1DF7BC8C-8114-4E4D-AC42-AF2B48A295E9}" type="datetimeFigureOut">
               <a:rPr lang="en-US" smtClean="0"/>
-              <a:t>19|7|3</a:t>
+              <a:t>19|7|4</a:t>
             </a:fld>
             <a:endParaRPr lang="en-US"/>
           </a:p>
@@ -3080,7 +3082,7 @@
           <a:p>
             <a:fld id="{1DF7BC8C-8114-4E4D-AC42-AF2B48A295E9}" type="datetimeFigureOut">
               <a:rPr lang="en-US" smtClean="0"/>
-              <a:t>19|7|3</a:t>
+              <a:t>19|7|4</a:t>
             </a:fld>
             <a:endParaRPr lang="en-US"/>
           </a:p>
@@ -5089,7 +5091,7 @@
           <a:p>
             <a:fld id="{1DF7BC8C-8114-4E4D-AC42-AF2B48A295E9}" type="datetimeFigureOut">
               <a:rPr lang="en-US" smtClean="0"/>
-              <a:t>19|7|3</a:t>
+              <a:t>19|7|4</a:t>
             </a:fld>
             <a:endParaRPr lang="en-US"/>
           </a:p>
@@ -5927,7 +5929,7 @@
           <a:p>
             <a:fld id="{1DF7BC8C-8114-4E4D-AC42-AF2B48A295E9}" type="datetimeFigureOut">
               <a:rPr lang="en-US" smtClean="0"/>
-              <a:t>19|7|3</a:t>
+              <a:t>19|7|4</a:t>
             </a:fld>
             <a:endParaRPr lang="en-US"/>
           </a:p>
@@ -6227,7 +6229,7 @@
           <a:p>
             <a:fld id="{1DF7BC8C-8114-4E4D-AC42-AF2B48A295E9}" type="datetimeFigureOut">
               <a:rPr lang="en-US" smtClean="0"/>
-              <a:t>19|7|3</a:t>
+              <a:t>19|7|4</a:t>
             </a:fld>
             <a:endParaRPr lang="en-US"/>
           </a:p>
@@ -6666,7 +6668,7 @@
           <a:p>
             <a:fld id="{1DF7BC8C-8114-4E4D-AC42-AF2B48A295E9}" type="datetimeFigureOut">
               <a:rPr lang="en-US" smtClean="0"/>
-              <a:t>19|7|3</a:t>
+              <a:t>19|7|4</a:t>
             </a:fld>
             <a:endParaRPr lang="en-US"/>
           </a:p>
@@ -6796,7 +6798,7 @@
           <a:p>
             <a:fld id="{1DF7BC8C-8114-4E4D-AC42-AF2B48A295E9}" type="datetimeFigureOut">
               <a:rPr lang="en-US" smtClean="0"/>
-              <a:t>19|7|3</a:t>
+              <a:t>19|7|4</a:t>
             </a:fld>
             <a:endParaRPr lang="en-US"/>
           </a:p>
@@ -6903,7 +6905,7 @@
           <a:p>
             <a:fld id="{1DF7BC8C-8114-4E4D-AC42-AF2B48A295E9}" type="datetimeFigureOut">
               <a:rPr lang="en-US" smtClean="0"/>
-              <a:t>19|7|3</a:t>
+              <a:t>19|7|4</a:t>
             </a:fld>
             <a:endParaRPr lang="en-US"/>
           </a:p>
@@ -7192,7 +7194,7 @@
           <a:p>
             <a:fld id="{1DF7BC8C-8114-4E4D-AC42-AF2B48A295E9}" type="datetimeFigureOut">
               <a:rPr lang="en-US" smtClean="0"/>
-              <a:t>19|7|3</a:t>
+              <a:t>19|7|4</a:t>
             </a:fld>
             <a:endParaRPr lang="en-US"/>
           </a:p>
@@ -7461,7 +7463,7 @@
           <a:p>
             <a:fld id="{1DF7BC8C-8114-4E4D-AC42-AF2B48A295E9}" type="datetimeFigureOut">
               <a:rPr lang="en-US" smtClean="0"/>
-              <a:t>19|7|3</a:t>
+              <a:t>19|7|4</a:t>
             </a:fld>
             <a:endParaRPr lang="en-US"/>
           </a:p>
@@ -7796,7 +7798,7 @@
           <a:p>
             <a:fld id="{1DF7BC8C-8114-4E4D-AC42-AF2B48A295E9}" type="datetimeFigureOut">
               <a:rPr lang="en-US" smtClean="0"/>
-              <a:t>19|7|3</a:t>
+              <a:t>19|7|4</a:t>
             </a:fld>
             <a:endParaRPr lang="en-US"/>
           </a:p>
@@ -9199,11 +9201,7 @@
           <a:p>
             <a:r>
               <a:rPr lang="en-US" dirty="0" smtClean="0"/>
-              <a:t>Double Hashing &amp; Shell </a:t>
-            </a:r>
-            <a:r>
-              <a:rPr lang="en-US" dirty="0" smtClean="0"/>
-              <a:t>Sort</a:t>
+              <a:t>Double Hashing &amp; Shell Sort</a:t>
             </a:r>
             <a:endParaRPr lang="en-US" dirty="0"/>
           </a:p>
@@ -9757,6 +9755,236 @@
 </file>
 
 <file path=ppt/slides/slide4.xml><?xml version="1.0" encoding="utf-8"?>
+<p:sld xmlns:a="http://schemas.openxmlformats.org/drawingml/2006/main" xmlns:r="http://schemas.openxmlformats.org/officeDocument/2006/relationships" xmlns:p="http://schemas.openxmlformats.org/presentationml/2006/main">
+  <p:cSld>
+    <p:spTree>
+      <p:nvGrpSpPr>
+        <p:cNvPr id="1" name=""/>
+        <p:cNvGrpSpPr/>
+        <p:nvPr/>
+      </p:nvGrpSpPr>
+      <p:grpSpPr>
+        <a:xfrm>
+          <a:off x="0" y="0"/>
+          <a:ext cx="0" cy="0"/>
+          <a:chOff x="0" y="0"/>
+          <a:chExt cx="0" cy="0"/>
+        </a:xfrm>
+      </p:grpSpPr>
+      <p:sp>
+        <p:nvSpPr>
+          <p:cNvPr id="2" name="Title 1"/>
+          <p:cNvSpPr>
+            <a:spLocks noGrp="1"/>
+          </p:cNvSpPr>
+          <p:nvPr>
+            <p:ph type="title"/>
+          </p:nvPr>
+        </p:nvSpPr>
+        <p:spPr/>
+        <p:txBody>
+          <a:bodyPr/>
+          <a:lstStyle/>
+          <a:p>
+            <a:r>
+              <a:rPr lang="en-US" dirty="0" smtClean="0"/>
+              <a:t>Algorithm</a:t>
+            </a:r>
+            <a:endParaRPr lang="en-US" dirty="0"/>
+          </a:p>
+        </p:txBody>
+      </p:sp>
+      <p:sp>
+        <p:nvSpPr>
+          <p:cNvPr id="3" name="Content Placeholder 2"/>
+          <p:cNvSpPr>
+            <a:spLocks noGrp="1"/>
+          </p:cNvSpPr>
+          <p:nvPr>
+            <p:ph idx="1"/>
+          </p:nvPr>
+        </p:nvSpPr>
+        <p:spPr>
+          <a:xfrm>
+            <a:off x="624418" y="1700213"/>
+            <a:ext cx="8648371" cy="2240722"/>
+          </a:xfrm>
+        </p:spPr>
+        <p:txBody>
+          <a:bodyPr/>
+          <a:lstStyle/>
+          <a:p>
+            <a:pPr marL="0" indent="0">
+              <a:buNone/>
+            </a:pPr>
+            <a:r>
+              <a:rPr lang="en-US" sz="2800" dirty="0" smtClean="0">
+                <a:latin typeface="Aparajita" panose="02020603050405020304" pitchFamily="18" charset="0"/>
+                <a:cs typeface="Aparajita" panose="02020603050405020304" pitchFamily="18" charset="0"/>
+              </a:rPr>
+              <a:t>Step </a:t>
+            </a:r>
+            <a:r>
+              <a:rPr lang="en-US" sz="2800" dirty="0">
+                <a:latin typeface="Aparajita" panose="02020603050405020304" pitchFamily="18" charset="0"/>
+                <a:cs typeface="Aparajita" panose="02020603050405020304" pitchFamily="18" charset="0"/>
+              </a:rPr>
+              <a:t>1 − Initialize the value of h</a:t>
+            </a:r>
+          </a:p>
+          <a:p>
+            <a:pPr marL="0" indent="0">
+              <a:buNone/>
+            </a:pPr>
+            <a:r>
+              <a:rPr lang="en-US" sz="2800" dirty="0">
+                <a:latin typeface="Aparajita" panose="02020603050405020304" pitchFamily="18" charset="0"/>
+                <a:cs typeface="Aparajita" panose="02020603050405020304" pitchFamily="18" charset="0"/>
+              </a:rPr>
+              <a:t>Step 2 − Divide the list into smaller sub-list of equal interval h</a:t>
+            </a:r>
+          </a:p>
+          <a:p>
+            <a:pPr marL="0" indent="0">
+              <a:buNone/>
+            </a:pPr>
+            <a:r>
+              <a:rPr lang="en-US" sz="2800" dirty="0">
+                <a:latin typeface="Aparajita" panose="02020603050405020304" pitchFamily="18" charset="0"/>
+                <a:cs typeface="Aparajita" panose="02020603050405020304" pitchFamily="18" charset="0"/>
+              </a:rPr>
+              <a:t>Step 3 − Sort these sub-lists using insertion sort</a:t>
+            </a:r>
+          </a:p>
+          <a:p>
+            <a:pPr marL="0" indent="0">
+              <a:buNone/>
+            </a:pPr>
+            <a:r>
+              <a:rPr lang="en-US" sz="2800" dirty="0">
+                <a:latin typeface="Aparajita" panose="02020603050405020304" pitchFamily="18" charset="0"/>
+                <a:cs typeface="Aparajita" panose="02020603050405020304" pitchFamily="18" charset="0"/>
+              </a:rPr>
+              <a:t>Step </a:t>
+            </a:r>
+            <a:r>
+              <a:rPr lang="en-US" sz="2800" dirty="0" smtClean="0">
+                <a:latin typeface="Aparajita" panose="02020603050405020304" pitchFamily="18" charset="0"/>
+                <a:cs typeface="Aparajita" panose="02020603050405020304" pitchFamily="18" charset="0"/>
+              </a:rPr>
+              <a:t>4 </a:t>
+            </a:r>
+            <a:r>
+              <a:rPr lang="en-US" sz="2800" dirty="0">
+                <a:latin typeface="Aparajita" panose="02020603050405020304" pitchFamily="18" charset="0"/>
+                <a:cs typeface="Aparajita" panose="02020603050405020304" pitchFamily="18" charset="0"/>
+              </a:rPr>
+              <a:t>− Repeat until complete list is sorted</a:t>
+            </a:r>
+          </a:p>
+        </p:txBody>
+      </p:sp>
+    </p:spTree>
+    <p:extLst>
+      <p:ext uri="{BB962C8B-B14F-4D97-AF65-F5344CB8AC3E}">
+        <p14:creationId xmlns:p14="http://schemas.microsoft.com/office/powerpoint/2010/main" val="1680493983"/>
+      </p:ext>
+    </p:extLst>
+  </p:cSld>
+  <p:clrMapOvr>
+    <a:masterClrMapping/>
+  </p:clrMapOvr>
+</p:sld>
+</file>
+
+<file path=ppt/slides/slide5.xml><?xml version="1.0" encoding="utf-8"?>
+<p:sld xmlns:a="http://schemas.openxmlformats.org/drawingml/2006/main" xmlns:r="http://schemas.openxmlformats.org/officeDocument/2006/relationships" xmlns:p="http://schemas.openxmlformats.org/presentationml/2006/main">
+  <p:cSld>
+    <p:spTree>
+      <p:nvGrpSpPr>
+        <p:cNvPr id="1" name=""/>
+        <p:cNvGrpSpPr/>
+        <p:nvPr/>
+      </p:nvGrpSpPr>
+      <p:grpSpPr>
+        <a:xfrm>
+          <a:off x="0" y="0"/>
+          <a:ext cx="0" cy="0"/>
+          <a:chOff x="0" y="0"/>
+          <a:chExt cx="0" cy="0"/>
+        </a:xfrm>
+      </p:grpSpPr>
+      <p:sp>
+        <p:nvSpPr>
+          <p:cNvPr id="2" name="Title 1"/>
+          <p:cNvSpPr>
+            <a:spLocks noGrp="1"/>
+          </p:cNvSpPr>
+          <p:nvPr>
+            <p:ph type="title"/>
+          </p:nvPr>
+        </p:nvSpPr>
+        <p:spPr/>
+        <p:txBody>
+          <a:bodyPr/>
+          <a:lstStyle/>
+          <a:p>
+            <a:r>
+              <a:rPr lang="en-US" dirty="0" smtClean="0"/>
+              <a:t>Example</a:t>
+            </a:r>
+            <a:endParaRPr lang="en-US" dirty="0"/>
+          </a:p>
+        </p:txBody>
+      </p:sp>
+      <p:sp>
+        <p:nvSpPr>
+          <p:cNvPr id="4" name="TextBox 3"/>
+          <p:cNvSpPr txBox="1"/>
+          <p:nvPr/>
+        </p:nvSpPr>
+        <p:spPr>
+          <a:xfrm>
+            <a:off x="785611" y="2021983"/>
+            <a:ext cx="962764" cy="369332"/>
+          </a:xfrm>
+          <a:prstGeom prst="rect">
+            <a:avLst/>
+          </a:prstGeom>
+          <a:noFill/>
+        </p:spPr>
+        <p:txBody>
+          <a:bodyPr wrap="none" rtlCol="0">
+            <a:spAutoFit/>
+          </a:bodyPr>
+          <a:lstStyle/>
+          <a:p>
+            <a:r>
+              <a:rPr lang="en-US" dirty="0" smtClean="0"/>
+              <a:t>We </a:t>
+            </a:r>
+            <a:r>
+              <a:rPr lang="en-US" dirty="0" err="1" smtClean="0"/>
+              <a:t>sho</a:t>
+            </a:r>
+            <a:endParaRPr lang="en-US" dirty="0"/>
+          </a:p>
+        </p:txBody>
+      </p:sp>
+    </p:spTree>
+    <p:extLst>
+      <p:ext uri="{BB962C8B-B14F-4D97-AF65-F5344CB8AC3E}">
+        <p14:creationId xmlns:p14="http://schemas.microsoft.com/office/powerpoint/2010/main" val="3184228183"/>
+      </p:ext>
+    </p:extLst>
+  </p:cSld>
+  <p:clrMapOvr>
+    <a:masterClrMapping/>
+  </p:clrMapOvr>
+</p:sld>
+</file>
+
+<file path=ppt/slides/slide6.xml><?xml version="1.0" encoding="utf-8"?>
 <p:sld xmlns:a="http://schemas.openxmlformats.org/drawingml/2006/main" xmlns:r="http://schemas.openxmlformats.org/officeDocument/2006/relationships" xmlns:p="http://schemas.openxmlformats.org/presentationml/2006/main">
   <p:cSld>
     <p:spTree>

--- a/double_hash_and_shell_sort.pptx
+++ b/double_hash_and_shell_sort.pptx
@@ -2890,7 +2890,7 @@
           <a:p>
             <a:fld id="{1DF7BC8C-8114-4E4D-AC42-AF2B48A295E9}" type="datetimeFigureOut">
               <a:rPr lang="en-US" smtClean="0"/>
-              <a:t>19|7|4</a:t>
+              <a:t>19|7|5</a:t>
             </a:fld>
             <a:endParaRPr lang="en-US"/>
           </a:p>
@@ -3082,7 +3082,7 @@
           <a:p>
             <a:fld id="{1DF7BC8C-8114-4E4D-AC42-AF2B48A295E9}" type="datetimeFigureOut">
               <a:rPr lang="en-US" smtClean="0"/>
-              <a:t>19|7|4</a:t>
+              <a:t>19|7|5</a:t>
             </a:fld>
             <a:endParaRPr lang="en-US"/>
           </a:p>
@@ -5091,7 +5091,7 @@
           <a:p>
             <a:fld id="{1DF7BC8C-8114-4E4D-AC42-AF2B48A295E9}" type="datetimeFigureOut">
               <a:rPr lang="en-US" smtClean="0"/>
-              <a:t>19|7|4</a:t>
+              <a:t>19|7|5</a:t>
             </a:fld>
             <a:endParaRPr lang="en-US"/>
           </a:p>
@@ -5929,7 +5929,7 @@
           <a:p>
             <a:fld id="{1DF7BC8C-8114-4E4D-AC42-AF2B48A295E9}" type="datetimeFigureOut">
               <a:rPr lang="en-US" smtClean="0"/>
-              <a:t>19|7|4</a:t>
+              <a:t>19|7|5</a:t>
             </a:fld>
             <a:endParaRPr lang="en-US"/>
           </a:p>
@@ -6229,7 +6229,7 @@
           <a:p>
             <a:fld id="{1DF7BC8C-8114-4E4D-AC42-AF2B48A295E9}" type="datetimeFigureOut">
               <a:rPr lang="en-US" smtClean="0"/>
-              <a:t>19|7|4</a:t>
+              <a:t>19|7|5</a:t>
             </a:fld>
             <a:endParaRPr lang="en-US"/>
           </a:p>
@@ -6668,7 +6668,7 @@
           <a:p>
             <a:fld id="{1DF7BC8C-8114-4E4D-AC42-AF2B48A295E9}" type="datetimeFigureOut">
               <a:rPr lang="en-US" smtClean="0"/>
-              <a:t>19|7|4</a:t>
+              <a:t>19|7|5</a:t>
             </a:fld>
             <a:endParaRPr lang="en-US"/>
           </a:p>
@@ -6798,7 +6798,7 @@
           <a:p>
             <a:fld id="{1DF7BC8C-8114-4E4D-AC42-AF2B48A295E9}" type="datetimeFigureOut">
               <a:rPr lang="en-US" smtClean="0"/>
-              <a:t>19|7|4</a:t>
+              <a:t>19|7|5</a:t>
             </a:fld>
             <a:endParaRPr lang="en-US"/>
           </a:p>
@@ -6905,7 +6905,7 @@
           <a:p>
             <a:fld id="{1DF7BC8C-8114-4E4D-AC42-AF2B48A295E9}" type="datetimeFigureOut">
               <a:rPr lang="en-US" smtClean="0"/>
-              <a:t>19|7|4</a:t>
+              <a:t>19|7|5</a:t>
             </a:fld>
             <a:endParaRPr lang="en-US"/>
           </a:p>
@@ -7194,7 +7194,7 @@
           <a:p>
             <a:fld id="{1DF7BC8C-8114-4E4D-AC42-AF2B48A295E9}" type="datetimeFigureOut">
               <a:rPr lang="en-US" smtClean="0"/>
-              <a:t>19|7|4</a:t>
+              <a:t>19|7|5</a:t>
             </a:fld>
             <a:endParaRPr lang="en-US"/>
           </a:p>
@@ -7463,7 +7463,7 @@
           <a:p>
             <a:fld id="{1DF7BC8C-8114-4E4D-AC42-AF2B48A295E9}" type="datetimeFigureOut">
               <a:rPr lang="en-US" smtClean="0"/>
-              <a:t>19|7|4</a:t>
+              <a:t>19|7|5</a:t>
             </a:fld>
             <a:endParaRPr lang="en-US"/>
           </a:p>
@@ -7798,7 +7798,7 @@
           <a:p>
             <a:fld id="{1DF7BC8C-8114-4E4D-AC42-AF2B48A295E9}" type="datetimeFigureOut">
               <a:rPr lang="en-US" smtClean="0"/>
-              <a:t>19|7|4</a:t>
+              <a:t>19|7|5</a:t>
             </a:fld>
             <a:endParaRPr lang="en-US"/>
           </a:p>
@@ -9725,7 +9725,49 @@
                 <a:latin typeface="Cambria" panose="02040503050406030204" pitchFamily="18" charset="0"/>
                 <a:ea typeface="Cambria" panose="02040503050406030204" pitchFamily="18" charset="0"/>
               </a:rPr>
-              <a:t>where, h is the interval with initial value 1.</a:t>
+              <a:t>where, h is the interval with initial value 1</a:t>
+            </a:r>
+            <a:r>
+              <a:rPr lang="en-US" sz="3600" dirty="0" smtClean="0">
+                <a:solidFill>
+                  <a:schemeClr val="tx2"/>
+                </a:solidFill>
+                <a:latin typeface="Cambria" panose="02040503050406030204" pitchFamily="18" charset="0"/>
+                <a:ea typeface="Cambria" panose="02040503050406030204" pitchFamily="18" charset="0"/>
+              </a:rPr>
+              <a:t>.</a:t>
+            </a:r>
+          </a:p>
+          <a:p>
+            <a:pPr marL="0" marR="0" indent="0" algn="l" defTabSz="914400" rtl="0" eaLnBrk="1" fontAlgn="base" latinLnBrk="0" hangingPunct="1">
+              <a:lnSpc>
+                <a:spcPct val="100000"/>
+              </a:lnSpc>
+              <a:spcBef>
+                <a:spcPct val="0"/>
+              </a:spcBef>
+              <a:spcAft>
+                <a:spcPct val="0"/>
+              </a:spcAft>
+              <a:buClrTx/>
+              <a:buSzTx/>
+              <a:buFontTx/>
+              <a:buNone/>
+              <a:tabLst/>
+            </a:pPr>
+            <a:r>
+              <a:rPr kumimoji="0" lang="en-US" sz="3600" b="0" i="0" u="none" strike="noStrike" cap="none" normalizeH="0" baseline="0" dirty="0" smtClean="0">
+                <a:ln>
+                  <a:noFill/>
+                </a:ln>
+                <a:solidFill>
+                  <a:schemeClr val="tx2"/>
+                </a:solidFill>
+                <a:effectLst/>
+                <a:latin typeface="Cambria" panose="02040503050406030204" pitchFamily="18" charset="0"/>
+                <a:ea typeface="Cambria" panose="02040503050406030204" pitchFamily="18" charset="0"/>
+              </a:rPr>
+              <a:t>(Knuth’s Formulae)</a:t>
             </a:r>
             <a:endParaRPr kumimoji="0" lang="en-US" sz="3600" b="0" i="0" u="none" strike="noStrike" cap="none" normalizeH="0" baseline="0" dirty="0" smtClean="0">
               <a:ln>
@@ -9945,8 +9987,8 @@
         </p:nvSpPr>
         <p:spPr>
           <a:xfrm>
-            <a:off x="785611" y="2021983"/>
-            <a:ext cx="962764" cy="369332"/>
+            <a:off x="785611" y="2021982"/>
+            <a:ext cx="10781974" cy="369332"/>
           </a:xfrm>
           <a:prstGeom prst="rect">
             <a:avLst/>
@@ -9954,7 +9996,7 @@
           <a:noFill/>
         </p:spPr>
         <p:txBody>
-          <a:bodyPr wrap="none" rtlCol="0">
+          <a:bodyPr wrap="square" rtlCol="0">
             <a:spAutoFit/>
           </a:bodyPr>
           <a:lstStyle/>
@@ -9964,8 +10006,8 @@
               <a:t>We </a:t>
             </a:r>
             <a:r>
-              <a:rPr lang="en-US" dirty="0" err="1" smtClean="0"/>
-              <a:t>sho</a:t>
+              <a:rPr lang="en-US" dirty="0" smtClean="0"/>
+              <a:t>should use the Knuth’s formula to sort the given data set.:</a:t>
             </a:r>
             <a:endParaRPr lang="en-US" dirty="0"/>
           </a:p>

--- a/double_hash_and_shell_sort.pptx
+++ b/double_hash_and_shell_sort.pptx
@@ -11,7 +11,8 @@
     <p:sldId id="258" r:id="rId5"/>
     <p:sldId id="260" r:id="rId6"/>
     <p:sldId id="261" r:id="rId7"/>
-    <p:sldId id="259" r:id="rId8"/>
+    <p:sldId id="262" r:id="rId8"/>
+    <p:sldId id="259" r:id="rId9"/>
   </p:sldIdLst>
   <p:sldSz cx="12192000" cy="6858000"/>
   <p:notesSz cx="6858000" cy="9144000"/>
@@ -9725,17 +9726,7 @@
                 <a:latin typeface="Cambria" panose="02040503050406030204" pitchFamily="18" charset="0"/>
                 <a:ea typeface="Cambria" panose="02040503050406030204" pitchFamily="18" charset="0"/>
               </a:rPr>
-              <a:t>where, h is the interval with initial value 1</a:t>
-            </a:r>
-            <a:r>
-              <a:rPr lang="en-US" sz="3600" dirty="0" smtClean="0">
-                <a:solidFill>
-                  <a:schemeClr val="tx2"/>
-                </a:solidFill>
-                <a:latin typeface="Cambria" panose="02040503050406030204" pitchFamily="18" charset="0"/>
-                <a:ea typeface="Cambria" panose="02040503050406030204" pitchFamily="18" charset="0"/>
-              </a:rPr>
-              <a:t>.</a:t>
+              <a:t>where, h is the interval with initial value 1.</a:t>
             </a:r>
           </a:p>
           <a:p>
@@ -9769,17 +9760,6 @@
               </a:rPr>
               <a:t>(Knuth’s Formulae)</a:t>
             </a:r>
-            <a:endParaRPr kumimoji="0" lang="en-US" sz="3600" b="0" i="0" u="none" strike="noStrike" cap="none" normalizeH="0" baseline="0" dirty="0" smtClean="0">
-              <a:ln>
-                <a:noFill/>
-              </a:ln>
-              <a:solidFill>
-                <a:schemeClr val="tx2"/>
-              </a:solidFill>
-              <a:effectLst/>
-              <a:latin typeface="Cambria" panose="02040503050406030204" pitchFamily="18" charset="0"/>
-              <a:ea typeface="Cambria" panose="02040503050406030204" pitchFamily="18" charset="0"/>
-            </a:endParaRPr>
           </a:p>
         </p:txBody>
       </p:sp>
@@ -9972,10 +9952,10 @@
           <a:lstStyle/>
           <a:p>
             <a:r>
-              <a:rPr lang="en-US" dirty="0" smtClean="0"/>
+              <a:rPr lang="en-US" sz="4000" dirty="0" smtClean="0"/>
               <a:t>Example</a:t>
             </a:r>
-            <a:endParaRPr lang="en-US" dirty="0"/>
+            <a:endParaRPr lang="en-US" sz="4000" dirty="0"/>
           </a:p>
         </p:txBody>
       </p:sp>
@@ -9988,7 +9968,7 @@
         <p:spPr>
           <a:xfrm>
             <a:off x="785611" y="2021982"/>
-            <a:ext cx="10781974" cy="369332"/>
+            <a:ext cx="10781974" cy="523220"/>
           </a:xfrm>
           <a:prstGeom prst="rect">
             <a:avLst/>
@@ -10002,17 +9982,43 @@
           <a:lstStyle/>
           <a:p>
             <a:r>
-              <a:rPr lang="en-US" dirty="0" smtClean="0"/>
-              <a:t>We </a:t>
-            </a:r>
-            <a:r>
-              <a:rPr lang="en-US" dirty="0" smtClean="0"/>
-              <a:t>should use the Knuth’s formula to sort the given data set.:</a:t>
-            </a:r>
-            <a:endParaRPr lang="en-US" dirty="0"/>
-          </a:p>
-        </p:txBody>
-      </p:sp>
+              <a:rPr lang="en-US" sz="2800" dirty="0" smtClean="0"/>
+              <a:t>We should use the Knuth’s formula to sort the given data set.:</a:t>
+            </a:r>
+            <a:endParaRPr lang="en-US" sz="2800" dirty="0"/>
+          </a:p>
+        </p:txBody>
+      </p:sp>
+      <p:pic>
+        <p:nvPicPr>
+          <p:cNvPr id="3" name="Picture 2"/>
+          <p:cNvPicPr>
+            <a:picLocks noChangeAspect="1"/>
+          </p:cNvPicPr>
+          <p:nvPr/>
+        </p:nvPicPr>
+        <p:blipFill>
+          <a:blip r:embed="rId2">
+            <a:extLst>
+              <a:ext uri="{28A0092B-C50C-407E-A947-70E740481C1C}">
+                <a14:useLocalDpi xmlns:a14="http://schemas.microsoft.com/office/drawing/2010/main" val="0"/>
+              </a:ext>
+            </a:extLst>
+          </a:blip>
+          <a:stretch>
+            <a:fillRect/>
+          </a:stretch>
+        </p:blipFill>
+        <p:spPr>
+          <a:xfrm>
+            <a:off x="3236019" y="2552454"/>
+            <a:ext cx="4486807" cy="3657600"/>
+          </a:xfrm>
+          <a:prstGeom prst="rect">
+            <a:avLst/>
+          </a:prstGeom>
+        </p:spPr>
+      </p:pic>
     </p:spTree>
     <p:extLst>
       <p:ext uri="{BB962C8B-B14F-4D97-AF65-F5344CB8AC3E}">
@@ -10027,6 +10033,137 @@
 </file>
 
 <file path=ppt/slides/slide6.xml><?xml version="1.0" encoding="utf-8"?>
+<p:sld xmlns:a="http://schemas.openxmlformats.org/drawingml/2006/main" xmlns:r="http://schemas.openxmlformats.org/officeDocument/2006/relationships" xmlns:p="http://schemas.openxmlformats.org/presentationml/2006/main">
+  <p:cSld>
+    <p:spTree>
+      <p:nvGrpSpPr>
+        <p:cNvPr id="1" name=""/>
+        <p:cNvGrpSpPr/>
+        <p:nvPr/>
+      </p:nvGrpSpPr>
+      <p:grpSpPr>
+        <a:xfrm>
+          <a:off x="0" y="0"/>
+          <a:ext cx="0" cy="0"/>
+          <a:chOff x="0" y="0"/>
+          <a:chExt cx="0" cy="0"/>
+        </a:xfrm>
+      </p:grpSpPr>
+      <p:pic>
+        <p:nvPicPr>
+          <p:cNvPr id="4" name="Picture 3"/>
+          <p:cNvPicPr>
+            <a:picLocks noChangeAspect="1"/>
+          </p:cNvPicPr>
+          <p:nvPr/>
+        </p:nvPicPr>
+        <p:blipFill>
+          <a:blip r:embed="rId2">
+            <a:extLst>
+              <a:ext uri="{28A0092B-C50C-407E-A947-70E740481C1C}">
+                <a14:useLocalDpi xmlns:a14="http://schemas.microsoft.com/office/drawing/2010/main" val="0"/>
+              </a:ext>
+            </a:extLst>
+          </a:blip>
+          <a:stretch>
+            <a:fillRect/>
+          </a:stretch>
+        </p:blipFill>
+        <p:spPr>
+          <a:xfrm>
+            <a:off x="3829856" y="2428204"/>
+            <a:ext cx="6400800" cy="914400"/>
+          </a:xfrm>
+          <a:prstGeom prst="rect">
+            <a:avLst/>
+          </a:prstGeom>
+        </p:spPr>
+      </p:pic>
+      <p:sp>
+        <p:nvSpPr>
+          <p:cNvPr id="5" name="TextBox 4"/>
+          <p:cNvSpPr txBox="1"/>
+          <p:nvPr/>
+        </p:nvSpPr>
+        <p:spPr>
+          <a:xfrm>
+            <a:off x="540913" y="1737290"/>
+            <a:ext cx="5413598" cy="523220"/>
+          </a:xfrm>
+          <a:prstGeom prst="rect">
+            <a:avLst/>
+          </a:prstGeom>
+          <a:noFill/>
+        </p:spPr>
+        <p:txBody>
+          <a:bodyPr wrap="none" rtlCol="0">
+            <a:spAutoFit/>
+          </a:bodyPr>
+          <a:lstStyle/>
+          <a:p>
+            <a:r>
+              <a:rPr lang="en-US" sz="2800" dirty="0" smtClean="0"/>
+              <a:t>We take the two sorted set again</a:t>
+            </a:r>
+            <a:endParaRPr lang="en-US" sz="2800" dirty="0"/>
+          </a:p>
+        </p:txBody>
+      </p:sp>
+      <p:sp>
+        <p:nvSpPr>
+          <p:cNvPr id="6" name="TextBox 5"/>
+          <p:cNvSpPr txBox="1"/>
+          <p:nvPr/>
+        </p:nvSpPr>
+        <p:spPr>
+          <a:xfrm>
+            <a:off x="540913" y="3530153"/>
+            <a:ext cx="10620215" cy="954107"/>
+          </a:xfrm>
+          <a:prstGeom prst="rect">
+            <a:avLst/>
+          </a:prstGeom>
+          <a:noFill/>
+        </p:spPr>
+        <p:txBody>
+          <a:bodyPr wrap="none" rtlCol="0">
+            <a:spAutoFit/>
+          </a:bodyPr>
+          <a:lstStyle/>
+          <a:p>
+            <a:r>
+              <a:rPr lang="en-US" sz="2800" dirty="0"/>
+              <a:t>Then, we take interval of 1 and </a:t>
+            </a:r>
+            <a:endParaRPr lang="en-US" sz="2800" dirty="0" smtClean="0"/>
+          </a:p>
+          <a:p>
+            <a:r>
+              <a:rPr lang="en-US" sz="2800" dirty="0" smtClean="0"/>
+              <a:t>this </a:t>
+            </a:r>
+            <a:r>
+              <a:rPr lang="en-US" sz="2800" dirty="0"/>
+              <a:t>gap generates two sub-lists - {14, 27, 35, 42}, {19, 10, 33, 44}</a:t>
+            </a:r>
+            <a:endParaRPr lang="en-US" sz="2800" dirty="0"/>
+          </a:p>
+        </p:txBody>
+      </p:sp>
+    </p:spTree>
+    <p:extLst>
+      <p:ext uri="{BB962C8B-B14F-4D97-AF65-F5344CB8AC3E}">
+        <p14:creationId xmlns:p14="http://schemas.microsoft.com/office/powerpoint/2010/main" val="1747859913"/>
+      </p:ext>
+    </p:extLst>
+  </p:cSld>
+  <p:clrMapOvr>
+    <a:masterClrMapping/>
+  </p:clrMapOvr>
+</p:sld>
+</file>
+
+<file path=ppt/slides/slide7.xml><?xml version="1.0" encoding="utf-8"?>
 <p:sld xmlns:a="http://schemas.openxmlformats.org/drawingml/2006/main" xmlns:r="http://schemas.openxmlformats.org/officeDocument/2006/relationships" xmlns:p="http://schemas.openxmlformats.org/presentationml/2006/main">
   <p:cSld>
     <p:spTree>

--- a/double_hash_and_shell_sort.pptx
+++ b/double_hash_and_shell_sort.pptx
@@ -12,7 +12,8 @@
     <p:sldId id="260" r:id="rId6"/>
     <p:sldId id="261" r:id="rId7"/>
     <p:sldId id="262" r:id="rId8"/>
-    <p:sldId id="259" r:id="rId9"/>
+    <p:sldId id="263" r:id="rId9"/>
+    <p:sldId id="259" r:id="rId10"/>
   </p:sldIdLst>
   <p:sldSz cx="12192000" cy="6858000"/>
   <p:notesSz cx="6858000" cy="9144000"/>
@@ -10146,10 +10147,39 @@
               <a:rPr lang="en-US" sz="2800" dirty="0"/>
               <a:t>gap generates two sub-lists - {14, 27, 35, 42}, {19, 10, 33, 44}</a:t>
             </a:r>
-            <a:endParaRPr lang="en-US" sz="2800" dirty="0"/>
-          </a:p>
-        </p:txBody>
-      </p:sp>
+          </a:p>
+        </p:txBody>
+      </p:sp>
+      <p:pic>
+        <p:nvPicPr>
+          <p:cNvPr id="2" name="Picture 1"/>
+          <p:cNvPicPr>
+            <a:picLocks noChangeAspect="1"/>
+          </p:cNvPicPr>
+          <p:nvPr/>
+        </p:nvPicPr>
+        <p:blipFill>
+          <a:blip r:embed="rId3">
+            <a:extLst>
+              <a:ext uri="{28A0092B-C50C-407E-A947-70E740481C1C}">
+                <a14:useLocalDpi xmlns:a14="http://schemas.microsoft.com/office/drawing/2010/main" val="0"/>
+              </a:ext>
+            </a:extLst>
+          </a:blip>
+          <a:stretch>
+            <a:fillRect/>
+          </a:stretch>
+        </p:blipFill>
+        <p:spPr>
+          <a:xfrm>
+            <a:off x="4087611" y="4612247"/>
+            <a:ext cx="3733800" cy="1962150"/>
+          </a:xfrm>
+          <a:prstGeom prst="rect">
+            <a:avLst/>
+          </a:prstGeom>
+        </p:spPr>
+      </p:pic>
     </p:spTree>
     <p:extLst>
       <p:ext uri="{BB962C8B-B14F-4D97-AF65-F5344CB8AC3E}">
@@ -10164,6 +10194,96 @@
 </file>
 
 <file path=ppt/slides/slide7.xml><?xml version="1.0" encoding="utf-8"?>
+<p:sld xmlns:a="http://schemas.openxmlformats.org/drawingml/2006/main" xmlns:r="http://schemas.openxmlformats.org/officeDocument/2006/relationships" xmlns:p="http://schemas.openxmlformats.org/presentationml/2006/main">
+  <p:cSld>
+    <p:spTree>
+      <p:nvGrpSpPr>
+        <p:cNvPr id="1" name=""/>
+        <p:cNvGrpSpPr/>
+        <p:nvPr/>
+      </p:nvGrpSpPr>
+      <p:grpSpPr>
+        <a:xfrm>
+          <a:off x="0" y="0"/>
+          <a:ext cx="0" cy="0"/>
+          <a:chOff x="0" y="0"/>
+          <a:chExt cx="0" cy="0"/>
+        </a:xfrm>
+      </p:grpSpPr>
+      <p:sp>
+        <p:nvSpPr>
+          <p:cNvPr id="4" name="TextBox 3"/>
+          <p:cNvSpPr txBox="1"/>
+          <p:nvPr/>
+        </p:nvSpPr>
+        <p:spPr>
+          <a:xfrm>
+            <a:off x="669702" y="1764405"/>
+            <a:ext cx="5119158" cy="461665"/>
+          </a:xfrm>
+          <a:prstGeom prst="rect">
+            <a:avLst/>
+          </a:prstGeom>
+          <a:noFill/>
+        </p:spPr>
+        <p:txBody>
+          <a:bodyPr wrap="none" rtlCol="0">
+            <a:spAutoFit/>
+          </a:bodyPr>
+          <a:lstStyle/>
+          <a:p>
+            <a:r>
+              <a:rPr lang="en-US" sz="2400" dirty="0" smtClean="0"/>
+              <a:t>We compare and swap if necessary.</a:t>
+            </a:r>
+            <a:endParaRPr lang="en-US" sz="2400" dirty="0"/>
+          </a:p>
+        </p:txBody>
+      </p:sp>
+      <p:pic>
+        <p:nvPicPr>
+          <p:cNvPr id="5" name="Picture 4"/>
+          <p:cNvPicPr>
+            <a:picLocks noChangeAspect="1"/>
+          </p:cNvPicPr>
+          <p:nvPr/>
+        </p:nvPicPr>
+        <p:blipFill>
+          <a:blip r:embed="rId2">
+            <a:extLst>
+              <a:ext uri="{28A0092B-C50C-407E-A947-70E740481C1C}">
+                <a14:useLocalDpi xmlns:a14="http://schemas.microsoft.com/office/drawing/2010/main" val="0"/>
+              </a:ext>
+            </a:extLst>
+          </a:blip>
+          <a:stretch>
+            <a:fillRect/>
+          </a:stretch>
+        </p:blipFill>
+        <p:spPr>
+          <a:xfrm>
+            <a:off x="5917640" y="57150"/>
+            <a:ext cx="3705225" cy="6800850"/>
+          </a:xfrm>
+          <a:prstGeom prst="rect">
+            <a:avLst/>
+          </a:prstGeom>
+        </p:spPr>
+      </p:pic>
+    </p:spTree>
+    <p:extLst>
+      <p:ext uri="{BB962C8B-B14F-4D97-AF65-F5344CB8AC3E}">
+        <p14:creationId xmlns:p14="http://schemas.microsoft.com/office/powerpoint/2010/main" val="1278612490"/>
+      </p:ext>
+    </p:extLst>
+  </p:cSld>
+  <p:clrMapOvr>
+    <a:masterClrMapping/>
+  </p:clrMapOvr>
+</p:sld>
+</file>
+
+<file path=ppt/slides/slide8.xml><?xml version="1.0" encoding="utf-8"?>
 <p:sld xmlns:a="http://schemas.openxmlformats.org/drawingml/2006/main" xmlns:r="http://schemas.openxmlformats.org/officeDocument/2006/relationships" xmlns:p="http://schemas.openxmlformats.org/presentationml/2006/main">
   <p:cSld>
     <p:spTree>

--- a/double_hash_and_shell_sort.pptx
+++ b/double_hash_and_shell_sort.pptx
@@ -8,12 +8,15 @@
   <p:sldIdLst>
     <p:sldId id="256" r:id="rId3"/>
     <p:sldId id="257" r:id="rId4"/>
-    <p:sldId id="258" r:id="rId5"/>
-    <p:sldId id="260" r:id="rId6"/>
-    <p:sldId id="261" r:id="rId7"/>
-    <p:sldId id="262" r:id="rId8"/>
-    <p:sldId id="263" r:id="rId9"/>
-    <p:sldId id="259" r:id="rId10"/>
+    <p:sldId id="264" r:id="rId5"/>
+    <p:sldId id="265" r:id="rId6"/>
+    <p:sldId id="266" r:id="rId7"/>
+    <p:sldId id="258" r:id="rId8"/>
+    <p:sldId id="260" r:id="rId9"/>
+    <p:sldId id="261" r:id="rId10"/>
+    <p:sldId id="262" r:id="rId11"/>
+    <p:sldId id="263" r:id="rId12"/>
+    <p:sldId id="259" r:id="rId13"/>
   </p:sldIdLst>
   <p:sldSz cx="12192000" cy="6858000"/>
   <p:notesSz cx="6858000" cy="9144000"/>
@@ -9267,6 +9270,168 @@
   <p:clrMapOvr>
     <a:masterClrMapping/>
   </p:clrMapOvr>
+  <p:timing>
+    <p:tnLst>
+      <p:par>
+        <p:cTn id="1" dur="indefinite" restart="never" nodeType="tmRoot"/>
+      </p:par>
+    </p:tnLst>
+  </p:timing>
+</p:sld>
+</file>
+
+<file path=ppt/slides/slide10.xml><?xml version="1.0" encoding="utf-8"?>
+<p:sld xmlns:a="http://schemas.openxmlformats.org/drawingml/2006/main" xmlns:r="http://schemas.openxmlformats.org/officeDocument/2006/relationships" xmlns:p="http://schemas.openxmlformats.org/presentationml/2006/main">
+  <p:cSld>
+    <p:spTree>
+      <p:nvGrpSpPr>
+        <p:cNvPr id="1" name=""/>
+        <p:cNvGrpSpPr/>
+        <p:nvPr/>
+      </p:nvGrpSpPr>
+      <p:grpSpPr>
+        <a:xfrm>
+          <a:off x="0" y="0"/>
+          <a:ext cx="0" cy="0"/>
+          <a:chOff x="0" y="0"/>
+          <a:chExt cx="0" cy="0"/>
+        </a:xfrm>
+      </p:grpSpPr>
+      <p:sp>
+        <p:nvSpPr>
+          <p:cNvPr id="4" name="TextBox 3"/>
+          <p:cNvSpPr txBox="1"/>
+          <p:nvPr/>
+        </p:nvSpPr>
+        <p:spPr>
+          <a:xfrm>
+            <a:off x="669702" y="1764405"/>
+            <a:ext cx="5119158" cy="461665"/>
+          </a:xfrm>
+          <a:prstGeom prst="rect">
+            <a:avLst/>
+          </a:prstGeom>
+          <a:noFill/>
+        </p:spPr>
+        <p:txBody>
+          <a:bodyPr wrap="none" rtlCol="0">
+            <a:spAutoFit/>
+          </a:bodyPr>
+          <a:lstStyle/>
+          <a:p>
+            <a:r>
+              <a:rPr lang="en-US" sz="2400" dirty="0" smtClean="0"/>
+              <a:t>We compare and swap if necessary.</a:t>
+            </a:r>
+            <a:endParaRPr lang="en-US" sz="2400" dirty="0"/>
+          </a:p>
+        </p:txBody>
+      </p:sp>
+      <p:pic>
+        <p:nvPicPr>
+          <p:cNvPr id="5" name="Picture 4"/>
+          <p:cNvPicPr>
+            <a:picLocks noChangeAspect="1"/>
+          </p:cNvPicPr>
+          <p:nvPr/>
+        </p:nvPicPr>
+        <p:blipFill>
+          <a:blip r:embed="rId2">
+            <a:extLst>
+              <a:ext uri="{28A0092B-C50C-407E-A947-70E740481C1C}">
+                <a14:useLocalDpi xmlns:a14="http://schemas.microsoft.com/office/drawing/2010/main" val="0"/>
+              </a:ext>
+            </a:extLst>
+          </a:blip>
+          <a:stretch>
+            <a:fillRect/>
+          </a:stretch>
+        </p:blipFill>
+        <p:spPr>
+          <a:xfrm>
+            <a:off x="5917640" y="57150"/>
+            <a:ext cx="3705225" cy="6800850"/>
+          </a:xfrm>
+          <a:prstGeom prst="rect">
+            <a:avLst/>
+          </a:prstGeom>
+        </p:spPr>
+      </p:pic>
+    </p:spTree>
+    <p:extLst>
+      <p:ext uri="{BB962C8B-B14F-4D97-AF65-F5344CB8AC3E}">
+        <p14:creationId xmlns:p14="http://schemas.microsoft.com/office/powerpoint/2010/main" val="1278612490"/>
+      </p:ext>
+    </p:extLst>
+  </p:cSld>
+  <p:clrMapOvr>
+    <a:masterClrMapping/>
+  </p:clrMapOvr>
+</p:sld>
+</file>
+
+<file path=ppt/slides/slide11.xml><?xml version="1.0" encoding="utf-8"?>
+<p:sld xmlns:a="http://schemas.openxmlformats.org/drawingml/2006/main" xmlns:r="http://schemas.openxmlformats.org/officeDocument/2006/relationships" xmlns:p="http://schemas.openxmlformats.org/presentationml/2006/main">
+  <p:cSld>
+    <p:spTree>
+      <p:nvGrpSpPr>
+        <p:cNvPr id="1" name=""/>
+        <p:cNvGrpSpPr/>
+        <p:nvPr/>
+      </p:nvGrpSpPr>
+      <p:grpSpPr>
+        <a:xfrm>
+          <a:off x="0" y="0"/>
+          <a:ext cx="0" cy="0"/>
+          <a:chOff x="0" y="0"/>
+          <a:chExt cx="0" cy="0"/>
+        </a:xfrm>
+      </p:grpSpPr>
+      <p:sp>
+        <p:nvSpPr>
+          <p:cNvPr id="4" name="TextBox 3"/>
+          <p:cNvSpPr txBox="1"/>
+          <p:nvPr/>
+        </p:nvSpPr>
+        <p:spPr>
+          <a:xfrm>
+            <a:off x="1043189" y="2382591"/>
+            <a:ext cx="9813701" cy="1200329"/>
+          </a:xfrm>
+          <a:prstGeom prst="rect">
+            <a:avLst/>
+          </a:prstGeom>
+          <a:noFill/>
+        </p:spPr>
+        <p:txBody>
+          <a:bodyPr wrap="square" rtlCol="0">
+            <a:spAutoFit/>
+          </a:bodyPr>
+          <a:lstStyle/>
+          <a:p>
+            <a:pPr algn="ctr"/>
+            <a:r>
+              <a:rPr lang="en-US" sz="7200" dirty="0" smtClean="0">
+                <a:latin typeface="Alaqua" pitchFamily="50" charset="0"/>
+              </a:rPr>
+              <a:t>THANK YOU</a:t>
+            </a:r>
+            <a:endParaRPr lang="en-US" sz="7200" dirty="0">
+              <a:latin typeface="Alaqua" pitchFamily="50" charset="0"/>
+            </a:endParaRPr>
+          </a:p>
+        </p:txBody>
+      </p:sp>
+    </p:spTree>
+    <p:extLst>
+      <p:ext uri="{BB962C8B-B14F-4D97-AF65-F5344CB8AC3E}">
+        <p14:creationId xmlns:p14="http://schemas.microsoft.com/office/powerpoint/2010/main" val="4272523214"/>
+      </p:ext>
+    </p:extLst>
+  </p:cSld>
+  <p:clrMapOvr>
+    <a:masterClrMapping/>
+  </p:clrMapOvr>
 </p:sld>
 </file>
 
@@ -9485,10 +9650,309 @@
   <p:clrMapOvr>
     <a:masterClrMapping/>
   </p:clrMapOvr>
+  <p:timing>
+    <p:tnLst>
+      <p:par>
+        <p:cTn id="1" dur="indefinite" restart="never" nodeType="tmRoot"/>
+      </p:par>
+    </p:tnLst>
+  </p:timing>
 </p:sld>
 </file>
 
 <file path=ppt/slides/slide3.xml><?xml version="1.0" encoding="utf-8"?>
+<p:sld xmlns:a="http://schemas.openxmlformats.org/drawingml/2006/main" xmlns:r="http://schemas.openxmlformats.org/officeDocument/2006/relationships" xmlns:p="http://schemas.openxmlformats.org/presentationml/2006/main">
+  <p:cSld>
+    <p:spTree>
+      <p:nvGrpSpPr>
+        <p:cNvPr id="1" name=""/>
+        <p:cNvGrpSpPr/>
+        <p:nvPr/>
+      </p:nvGrpSpPr>
+      <p:grpSpPr>
+        <a:xfrm>
+          <a:off x="0" y="0"/>
+          <a:ext cx="0" cy="0"/>
+          <a:chOff x="0" y="0"/>
+          <a:chExt cx="0" cy="0"/>
+        </a:xfrm>
+      </p:grpSpPr>
+      <p:sp>
+        <p:nvSpPr>
+          <p:cNvPr id="2" name="Title 1"/>
+          <p:cNvSpPr>
+            <a:spLocks noGrp="1"/>
+          </p:cNvSpPr>
+          <p:nvPr>
+            <p:ph type="title"/>
+          </p:nvPr>
+        </p:nvSpPr>
+        <p:spPr/>
+        <p:txBody>
+          <a:bodyPr/>
+          <a:lstStyle/>
+          <a:p>
+            <a:r>
+              <a:rPr lang="en-US" sz="4000" dirty="0" smtClean="0"/>
+              <a:t>Process</a:t>
+            </a:r>
+            <a:endParaRPr lang="en-US" sz="4000" dirty="0"/>
+          </a:p>
+        </p:txBody>
+      </p:sp>
+      <p:sp>
+        <p:nvSpPr>
+          <p:cNvPr id="3" name="Content Placeholder 2"/>
+          <p:cNvSpPr>
+            <a:spLocks noGrp="1"/>
+          </p:cNvSpPr>
+          <p:nvPr>
+            <p:ph idx="1"/>
+          </p:nvPr>
+        </p:nvSpPr>
+        <p:spPr/>
+        <p:txBody>
+          <a:bodyPr/>
+          <a:lstStyle/>
+          <a:p>
+            <a:r>
+              <a:rPr lang="en-US" sz="2800" dirty="0"/>
+              <a:t>First hash function is typically hash1(key) = key % TABLE_SIZE</a:t>
+            </a:r>
+          </a:p>
+          <a:p>
+            <a:r>
+              <a:rPr lang="en-US" sz="2800" dirty="0"/>
+              <a:t>A popular second hash function is : </a:t>
+            </a:r>
+            <a:r>
+              <a:rPr lang="en-US" sz="2800" b="1" dirty="0"/>
+              <a:t>hash2(key) = PRIME – (key % PRIME)</a:t>
+            </a:r>
+            <a:r>
+              <a:rPr lang="en-US" sz="2800" dirty="0"/>
+              <a:t> where PRIME is a prime smaller than the TABLE_SIZE.</a:t>
+            </a:r>
+          </a:p>
+          <a:p>
+            <a:r>
+              <a:rPr lang="en-US" sz="2800" dirty="0"/>
+              <a:t>A good second Hash function is:</a:t>
+            </a:r>
+          </a:p>
+          <a:p>
+            <a:pPr lvl="1"/>
+            <a:r>
+              <a:rPr lang="en-US" sz="2800" dirty="0"/>
+              <a:t>It must never evaluate to zero</a:t>
+            </a:r>
+          </a:p>
+          <a:p>
+            <a:pPr lvl="1"/>
+            <a:r>
+              <a:rPr lang="en-US" sz="2800" dirty="0"/>
+              <a:t>Must make sure that all cells can be probed</a:t>
+            </a:r>
+          </a:p>
+          <a:p>
+            <a:endParaRPr lang="en-US" sz="2800" dirty="0"/>
+          </a:p>
+        </p:txBody>
+      </p:sp>
+    </p:spTree>
+    <p:extLst>
+      <p:ext uri="{BB962C8B-B14F-4D97-AF65-F5344CB8AC3E}">
+        <p14:creationId xmlns:p14="http://schemas.microsoft.com/office/powerpoint/2010/main" val="600424537"/>
+      </p:ext>
+    </p:extLst>
+  </p:cSld>
+  <p:clrMapOvr>
+    <a:masterClrMapping/>
+  </p:clrMapOvr>
+  <p:timing>
+    <p:tnLst>
+      <p:par>
+        <p:cTn id="1" dur="indefinite" restart="never" nodeType="tmRoot"/>
+      </p:par>
+    </p:tnLst>
+  </p:timing>
+</p:sld>
+</file>
+
+<file path=ppt/slides/slide4.xml><?xml version="1.0" encoding="utf-8"?>
+<p:sld xmlns:a="http://schemas.openxmlformats.org/drawingml/2006/main" xmlns:r="http://schemas.openxmlformats.org/officeDocument/2006/relationships" xmlns:p="http://schemas.openxmlformats.org/presentationml/2006/main">
+  <p:cSld>
+    <p:spTree>
+      <p:nvGrpSpPr>
+        <p:cNvPr id="1" name=""/>
+        <p:cNvGrpSpPr/>
+        <p:nvPr/>
+      </p:nvGrpSpPr>
+      <p:grpSpPr>
+        <a:xfrm>
+          <a:off x="0" y="0"/>
+          <a:ext cx="0" cy="0"/>
+          <a:chOff x="0" y="0"/>
+          <a:chExt cx="0" cy="0"/>
+        </a:xfrm>
+      </p:grpSpPr>
+      <p:sp>
+        <p:nvSpPr>
+          <p:cNvPr id="2" name="Title 1"/>
+          <p:cNvSpPr>
+            <a:spLocks noGrp="1"/>
+          </p:cNvSpPr>
+          <p:nvPr>
+            <p:ph type="title"/>
+          </p:nvPr>
+        </p:nvSpPr>
+        <p:spPr/>
+        <p:txBody>
+          <a:bodyPr/>
+          <a:lstStyle/>
+          <a:p>
+            <a:r>
+              <a:rPr lang="en-US" dirty="0" smtClean="0"/>
+              <a:t>Depiction</a:t>
+            </a:r>
+            <a:endParaRPr lang="en-US" dirty="0"/>
+          </a:p>
+        </p:txBody>
+      </p:sp>
+      <p:pic>
+        <p:nvPicPr>
+          <p:cNvPr id="4" name="Picture 3"/>
+          <p:cNvPicPr>
+            <a:picLocks noChangeAspect="1"/>
+          </p:cNvPicPr>
+          <p:nvPr/>
+        </p:nvPicPr>
+        <p:blipFill>
+          <a:blip r:embed="rId2">
+            <a:extLst>
+              <a:ext uri="{28A0092B-C50C-407E-A947-70E740481C1C}">
+                <a14:useLocalDpi xmlns:a14="http://schemas.microsoft.com/office/drawing/2010/main" val="0"/>
+              </a:ext>
+            </a:extLst>
+          </a:blip>
+          <a:stretch>
+            <a:fillRect/>
+          </a:stretch>
+        </p:blipFill>
+        <p:spPr>
+          <a:xfrm>
+            <a:off x="3185106" y="1268414"/>
+            <a:ext cx="5554838" cy="5486400"/>
+          </a:xfrm>
+          <a:prstGeom prst="rect">
+            <a:avLst/>
+          </a:prstGeom>
+        </p:spPr>
+      </p:pic>
+    </p:spTree>
+    <p:extLst>
+      <p:ext uri="{BB962C8B-B14F-4D97-AF65-F5344CB8AC3E}">
+        <p14:creationId xmlns:p14="http://schemas.microsoft.com/office/powerpoint/2010/main" val="1433093271"/>
+      </p:ext>
+    </p:extLst>
+  </p:cSld>
+  <p:clrMapOvr>
+    <a:masterClrMapping/>
+  </p:clrMapOvr>
+  <p:timing>
+    <p:tnLst>
+      <p:par>
+        <p:cTn id="1" dur="indefinite" restart="never" nodeType="tmRoot"/>
+      </p:par>
+    </p:tnLst>
+  </p:timing>
+</p:sld>
+</file>
+
+<file path=ppt/slides/slide5.xml><?xml version="1.0" encoding="utf-8"?>
+<p:sld xmlns:a="http://schemas.openxmlformats.org/drawingml/2006/main" xmlns:r="http://schemas.openxmlformats.org/officeDocument/2006/relationships" xmlns:p="http://schemas.openxmlformats.org/presentationml/2006/main">
+  <p:cSld>
+    <p:spTree>
+      <p:nvGrpSpPr>
+        <p:cNvPr id="1" name=""/>
+        <p:cNvGrpSpPr/>
+        <p:nvPr/>
+      </p:nvGrpSpPr>
+      <p:grpSpPr>
+        <a:xfrm>
+          <a:off x="0" y="0"/>
+          <a:ext cx="0" cy="0"/>
+          <a:chOff x="0" y="0"/>
+          <a:chExt cx="0" cy="0"/>
+        </a:xfrm>
+      </p:grpSpPr>
+      <p:sp>
+        <p:nvSpPr>
+          <p:cNvPr id="2" name="Title 1"/>
+          <p:cNvSpPr>
+            <a:spLocks noGrp="1"/>
+          </p:cNvSpPr>
+          <p:nvPr>
+            <p:ph type="title"/>
+          </p:nvPr>
+        </p:nvSpPr>
+        <p:spPr/>
+        <p:txBody>
+          <a:bodyPr/>
+          <a:lstStyle/>
+          <a:p>
+            <a:r>
+              <a:rPr lang="en-US" dirty="0" smtClean="0"/>
+              <a:t>Example</a:t>
+            </a:r>
+            <a:endParaRPr lang="en-US" dirty="0"/>
+          </a:p>
+        </p:txBody>
+      </p:sp>
+      <p:pic>
+        <p:nvPicPr>
+          <p:cNvPr id="4" name="Picture 3"/>
+          <p:cNvPicPr>
+            <a:picLocks noChangeAspect="1"/>
+          </p:cNvPicPr>
+          <p:nvPr/>
+        </p:nvPicPr>
+        <p:blipFill>
+          <a:blip r:embed="rId2">
+            <a:extLst>
+              <a:ext uri="{28A0092B-C50C-407E-A947-70E740481C1C}">
+                <a14:useLocalDpi xmlns:a14="http://schemas.microsoft.com/office/drawing/2010/main" val="0"/>
+              </a:ext>
+            </a:extLst>
+          </a:blip>
+          <a:stretch>
+            <a:fillRect/>
+          </a:stretch>
+        </p:blipFill>
+        <p:spPr>
+          <a:xfrm>
+            <a:off x="1477448" y="1608583"/>
+            <a:ext cx="9393666" cy="4572000"/>
+          </a:xfrm>
+          <a:prstGeom prst="rect">
+            <a:avLst/>
+          </a:prstGeom>
+        </p:spPr>
+      </p:pic>
+    </p:spTree>
+    <p:extLst>
+      <p:ext uri="{BB962C8B-B14F-4D97-AF65-F5344CB8AC3E}">
+        <p14:creationId xmlns:p14="http://schemas.microsoft.com/office/powerpoint/2010/main" val="3297108288"/>
+      </p:ext>
+    </p:extLst>
+  </p:cSld>
+  <p:clrMapOvr>
+    <a:masterClrMapping/>
+  </p:clrMapOvr>
+</p:sld>
+</file>
+
+<file path=ppt/slides/slide6.xml><?xml version="1.0" encoding="utf-8"?>
 <p:sld xmlns:a="http://schemas.openxmlformats.org/drawingml/2006/main" xmlns:r="http://schemas.openxmlformats.org/officeDocument/2006/relationships" xmlns:p="http://schemas.openxmlformats.org/presentationml/2006/main">
   <p:cSld>
     <p:spTree>
@@ -9774,10 +10238,17 @@
   <p:clrMapOvr>
     <a:masterClrMapping/>
   </p:clrMapOvr>
+  <p:timing>
+    <p:tnLst>
+      <p:par>
+        <p:cTn id="1" dur="indefinite" restart="never" nodeType="tmRoot"/>
+      </p:par>
+    </p:tnLst>
+  </p:timing>
 </p:sld>
 </file>
 
-<file path=ppt/slides/slide4.xml><?xml version="1.0" encoding="utf-8"?>
+<file path=ppt/slides/slide7.xml><?xml version="1.0" encoding="utf-8"?>
 <p:sld xmlns:a="http://schemas.openxmlformats.org/drawingml/2006/main" xmlns:r="http://schemas.openxmlformats.org/officeDocument/2006/relationships" xmlns:p="http://schemas.openxmlformats.org/presentationml/2006/main">
   <p:cSld>
     <p:spTree>
@@ -9917,10 +10388,17 @@
   <p:clrMapOvr>
     <a:masterClrMapping/>
   </p:clrMapOvr>
+  <p:timing>
+    <p:tnLst>
+      <p:par>
+        <p:cTn id="1" dur="indefinite" restart="never" nodeType="tmRoot"/>
+      </p:par>
+    </p:tnLst>
+  </p:timing>
 </p:sld>
 </file>
 
-<file path=ppt/slides/slide5.xml><?xml version="1.0" encoding="utf-8"?>
+<file path=ppt/slides/slide8.xml><?xml version="1.0" encoding="utf-8"?>
 <p:sld xmlns:a="http://schemas.openxmlformats.org/drawingml/2006/main" xmlns:r="http://schemas.openxmlformats.org/officeDocument/2006/relationships" xmlns:p="http://schemas.openxmlformats.org/presentationml/2006/main">
   <p:cSld>
     <p:spTree>
@@ -10033,7 +10511,7 @@
 </p:sld>
 </file>
 
-<file path=ppt/slides/slide6.xml><?xml version="1.0" encoding="utf-8"?>
+<file path=ppt/slides/slide9.xml><?xml version="1.0" encoding="utf-8"?>
 <p:sld xmlns:a="http://schemas.openxmlformats.org/drawingml/2006/main" xmlns:r="http://schemas.openxmlformats.org/officeDocument/2006/relationships" xmlns:p="http://schemas.openxmlformats.org/presentationml/2006/main">
   <p:cSld>
     <p:spTree>
@@ -10184,161 +10662,6 @@
     <p:extLst>
       <p:ext uri="{BB962C8B-B14F-4D97-AF65-F5344CB8AC3E}">
         <p14:creationId xmlns:p14="http://schemas.microsoft.com/office/powerpoint/2010/main" val="1747859913"/>
-      </p:ext>
-    </p:extLst>
-  </p:cSld>
-  <p:clrMapOvr>
-    <a:masterClrMapping/>
-  </p:clrMapOvr>
-</p:sld>
-</file>
-
-<file path=ppt/slides/slide7.xml><?xml version="1.0" encoding="utf-8"?>
-<p:sld xmlns:a="http://schemas.openxmlformats.org/drawingml/2006/main" xmlns:r="http://schemas.openxmlformats.org/officeDocument/2006/relationships" xmlns:p="http://schemas.openxmlformats.org/presentationml/2006/main">
-  <p:cSld>
-    <p:spTree>
-      <p:nvGrpSpPr>
-        <p:cNvPr id="1" name=""/>
-        <p:cNvGrpSpPr/>
-        <p:nvPr/>
-      </p:nvGrpSpPr>
-      <p:grpSpPr>
-        <a:xfrm>
-          <a:off x="0" y="0"/>
-          <a:ext cx="0" cy="0"/>
-          <a:chOff x="0" y="0"/>
-          <a:chExt cx="0" cy="0"/>
-        </a:xfrm>
-      </p:grpSpPr>
-      <p:sp>
-        <p:nvSpPr>
-          <p:cNvPr id="4" name="TextBox 3"/>
-          <p:cNvSpPr txBox="1"/>
-          <p:nvPr/>
-        </p:nvSpPr>
-        <p:spPr>
-          <a:xfrm>
-            <a:off x="669702" y="1764405"/>
-            <a:ext cx="5119158" cy="461665"/>
-          </a:xfrm>
-          <a:prstGeom prst="rect">
-            <a:avLst/>
-          </a:prstGeom>
-          <a:noFill/>
-        </p:spPr>
-        <p:txBody>
-          <a:bodyPr wrap="none" rtlCol="0">
-            <a:spAutoFit/>
-          </a:bodyPr>
-          <a:lstStyle/>
-          <a:p>
-            <a:r>
-              <a:rPr lang="en-US" sz="2400" dirty="0" smtClean="0"/>
-              <a:t>We compare and swap if necessary.</a:t>
-            </a:r>
-            <a:endParaRPr lang="en-US" sz="2400" dirty="0"/>
-          </a:p>
-        </p:txBody>
-      </p:sp>
-      <p:pic>
-        <p:nvPicPr>
-          <p:cNvPr id="5" name="Picture 4"/>
-          <p:cNvPicPr>
-            <a:picLocks noChangeAspect="1"/>
-          </p:cNvPicPr>
-          <p:nvPr/>
-        </p:nvPicPr>
-        <p:blipFill>
-          <a:blip r:embed="rId2">
-            <a:extLst>
-              <a:ext uri="{28A0092B-C50C-407E-A947-70E740481C1C}">
-                <a14:useLocalDpi xmlns:a14="http://schemas.microsoft.com/office/drawing/2010/main" val="0"/>
-              </a:ext>
-            </a:extLst>
-          </a:blip>
-          <a:stretch>
-            <a:fillRect/>
-          </a:stretch>
-        </p:blipFill>
-        <p:spPr>
-          <a:xfrm>
-            <a:off x="5917640" y="57150"/>
-            <a:ext cx="3705225" cy="6800850"/>
-          </a:xfrm>
-          <a:prstGeom prst="rect">
-            <a:avLst/>
-          </a:prstGeom>
-        </p:spPr>
-      </p:pic>
-    </p:spTree>
-    <p:extLst>
-      <p:ext uri="{BB962C8B-B14F-4D97-AF65-F5344CB8AC3E}">
-        <p14:creationId xmlns:p14="http://schemas.microsoft.com/office/powerpoint/2010/main" val="1278612490"/>
-      </p:ext>
-    </p:extLst>
-  </p:cSld>
-  <p:clrMapOvr>
-    <a:masterClrMapping/>
-  </p:clrMapOvr>
-</p:sld>
-</file>
-
-<file path=ppt/slides/slide8.xml><?xml version="1.0" encoding="utf-8"?>
-<p:sld xmlns:a="http://schemas.openxmlformats.org/drawingml/2006/main" xmlns:r="http://schemas.openxmlformats.org/officeDocument/2006/relationships" xmlns:p="http://schemas.openxmlformats.org/presentationml/2006/main">
-  <p:cSld>
-    <p:spTree>
-      <p:nvGrpSpPr>
-        <p:cNvPr id="1" name=""/>
-        <p:cNvGrpSpPr/>
-        <p:nvPr/>
-      </p:nvGrpSpPr>
-      <p:grpSpPr>
-        <a:xfrm>
-          <a:off x="0" y="0"/>
-          <a:ext cx="0" cy="0"/>
-          <a:chOff x="0" y="0"/>
-          <a:chExt cx="0" cy="0"/>
-        </a:xfrm>
-      </p:grpSpPr>
-      <p:sp>
-        <p:nvSpPr>
-          <p:cNvPr id="4" name="TextBox 3"/>
-          <p:cNvSpPr txBox="1"/>
-          <p:nvPr/>
-        </p:nvSpPr>
-        <p:spPr>
-          <a:xfrm>
-            <a:off x="1043189" y="2382591"/>
-            <a:ext cx="9813701" cy="1200329"/>
-          </a:xfrm>
-          <a:prstGeom prst="rect">
-            <a:avLst/>
-          </a:prstGeom>
-          <a:noFill/>
-        </p:spPr>
-        <p:txBody>
-          <a:bodyPr wrap="square" rtlCol="0">
-            <a:spAutoFit/>
-          </a:bodyPr>
-          <a:lstStyle/>
-          <a:p>
-            <a:pPr algn="ctr"/>
-            <a:r>
-              <a:rPr lang="en-US" sz="7200" dirty="0" smtClean="0">
-                <a:latin typeface="Alaqua" pitchFamily="50" charset="0"/>
-              </a:rPr>
-              <a:t>THANK YOU</a:t>
-            </a:r>
-            <a:endParaRPr lang="en-US" sz="7200" dirty="0">
-              <a:latin typeface="Alaqua" pitchFamily="50" charset="0"/>
-            </a:endParaRPr>
-          </a:p>
-        </p:txBody>
-      </p:sp>
-    </p:spTree>
-    <p:extLst>
-      <p:ext uri="{BB962C8B-B14F-4D97-AF65-F5344CB8AC3E}">
-        <p14:creationId xmlns:p14="http://schemas.microsoft.com/office/powerpoint/2010/main" val="4272523214"/>
       </p:ext>
     </p:extLst>
   </p:cSld>
